--- a/Drive Safe.pptx
+++ b/Drive Safe.pptx
@@ -5,11 +5,12 @@
     <p:sldMasterId id="2147483648" r:id="rId1"/>
   </p:sldMasterIdLst>
   <p:sldIdLst>
-    <p:sldId id="256" r:id="rId2"/>
+    <p:sldId id="261" r:id="rId2"/>
     <p:sldId id="258" r:id="rId3"/>
     <p:sldId id="259" r:id="rId4"/>
     <p:sldId id="257" r:id="rId5"/>
     <p:sldId id="260" r:id="rId6"/>
+    <p:sldId id="262" r:id="rId7"/>
   </p:sldIdLst>
   <p:sldSz cx="12192000" cy="6858000"/>
   <p:notesSz cx="6858000" cy="9144000"/>
@@ -108,6 +109,11 @@
       </a:defRPr>
     </a:lvl9pPr>
   </p:defaultTextStyle>
+  <p:extLst>
+    <p:ext uri="{EFAFB233-063F-42B5-8137-9DF3F51BA10A}">
+      <p15:sldGuideLst xmlns:p15="http://schemas.microsoft.com/office/powerpoint/2012/main"/>
+    </p:ext>
+  </p:extLst>
 </p:presentation>
 </file>
 
@@ -6886,21 +6892,23 @@
         </p:nvSpPr>
         <p:spPr>
           <a:xfrm>
-            <a:off x="2215044" y="5170301"/>
+            <a:off x="-237969" y="5814224"/>
             <a:ext cx="8045373" cy="742279"/>
           </a:xfrm>
         </p:spPr>
         <p:txBody>
-          <a:bodyPr/>
+          <a:bodyPr>
+            <a:normAutofit/>
+          </a:bodyPr>
           <a:lstStyle/>
           <a:p>
             <a:r>
-              <a:rPr lang="en-GB" dirty="0" smtClean="0"/>
+              <a:rPr lang="en-GB" sz="3200" dirty="0" smtClean="0"/>
               <a:t>Team – Young Developers</a:t>
             </a:r>
           </a:p>
           <a:p>
-            <a:endParaRPr lang="en-GB" dirty="0"/>
+            <a:endParaRPr lang="en-GB" sz="2800" dirty="0"/>
           </a:p>
         </p:txBody>
       </p:sp>
@@ -6914,7 +6922,7 @@
         </p:nvSpPr>
         <p:spPr>
           <a:xfrm>
-            <a:off x="6237730" y="4524517"/>
+            <a:off x="6364322" y="3060310"/>
             <a:ext cx="8045373" cy="742279"/>
           </a:xfrm>
           <a:prstGeom prst="rect">
@@ -7142,64 +7150,1081 @@
           </a:lstStyle>
           <a:p>
             <a:r>
+              <a:rPr lang="en-GB" dirty="0" smtClean="0"/>
+              <a:t>Milton</a:t>
+            </a:r>
+            <a:r>
+              <a:rPr lang="en-GB" sz="1800" dirty="0" smtClean="0"/>
+              <a:t> </a:t>
+            </a:r>
+            <a:r>
+              <a:rPr lang="en-GB" dirty="0" smtClean="0"/>
+              <a:t>li</a:t>
+            </a:r>
+          </a:p>
+          <a:p>
+            <a:endParaRPr lang="en-GB" sz="1200" dirty="0"/>
+          </a:p>
+        </p:txBody>
+      </p:sp>
+      <p:sp>
+        <p:nvSpPr>
+          <p:cNvPr id="6" name="Subtitle 2"/>
+          <p:cNvSpPr txBox="1">
+            <a:spLocks/>
+          </p:cNvSpPr>
+          <p:nvPr/>
+        </p:nvSpPr>
+        <p:spPr>
+          <a:xfrm>
+            <a:off x="6364322" y="5197103"/>
+            <a:ext cx="8045373" cy="742279"/>
+          </a:xfrm>
+          <a:prstGeom prst="rect">
+            <a:avLst/>
+          </a:prstGeom>
+        </p:spPr>
+        <p:txBody>
+          <a:bodyPr vert="horz" lIns="91440" tIns="45720" rIns="91440" bIns="45720" rtlCol="0" anchor="t">
+            <a:noAutofit/>
+          </a:bodyPr>
+          <a:lstStyle>
+            <a:lvl1pPr marL="0" indent="0" algn="ctr" defTabSz="914400" rtl="0" eaLnBrk="1" latinLnBrk="0" hangingPunct="1">
+              <a:lnSpc>
+                <a:spcPct val="100000"/>
+              </a:lnSpc>
+              <a:spcBef>
+                <a:spcPts val="700"/>
+              </a:spcBef>
+              <a:buClr>
+                <a:schemeClr val="tx2"/>
+              </a:buClr>
+              <a:buFont typeface="Arial" panose="020B0604020202020204" pitchFamily="34" charset="0"/>
+              <a:buNone/>
+              <a:defRPr sz="2000" b="1" i="0" kern="1200" cap="all" spc="400" baseline="0">
+                <a:solidFill>
+                  <a:schemeClr val="tx2"/>
+                </a:solidFill>
+                <a:latin typeface="+mn-lt"/>
+                <a:ea typeface="+mn-ea"/>
+                <a:cs typeface="+mn-cs"/>
+              </a:defRPr>
+            </a:lvl1pPr>
+            <a:lvl2pPr marL="457200" indent="0" algn="ctr" defTabSz="914400" rtl="0" eaLnBrk="1" latinLnBrk="0" hangingPunct="1">
+              <a:lnSpc>
+                <a:spcPct val="110000"/>
+              </a:lnSpc>
+              <a:spcBef>
+                <a:spcPts val="700"/>
+              </a:spcBef>
+              <a:buClr>
+                <a:schemeClr val="tx2"/>
+              </a:buClr>
+              <a:buFont typeface="Gill Sans MT" panose="020B0502020104020203" pitchFamily="34" charset="0"/>
+              <a:buNone/>
+              <a:defRPr sz="2000" kern="1200">
+                <a:solidFill>
+                  <a:schemeClr val="tx1">
+                    <a:lumMod val="65000"/>
+                    <a:lumOff val="35000"/>
+                  </a:schemeClr>
+                </a:solidFill>
+                <a:latin typeface="+mn-lt"/>
+                <a:ea typeface="+mn-ea"/>
+                <a:cs typeface="+mn-cs"/>
+              </a:defRPr>
+            </a:lvl2pPr>
+            <a:lvl3pPr marL="914400" indent="0" algn="ctr" defTabSz="914400" rtl="0" eaLnBrk="1" latinLnBrk="0" hangingPunct="1">
+              <a:lnSpc>
+                <a:spcPct val="110000"/>
+              </a:lnSpc>
+              <a:spcBef>
+                <a:spcPts val="700"/>
+              </a:spcBef>
+              <a:buClr>
+                <a:schemeClr val="tx2"/>
+              </a:buClr>
+              <a:buFont typeface="Arial" panose="020B0604020202020204" pitchFamily="34" charset="0"/>
+              <a:buNone/>
+              <a:defRPr sz="1800" kern="1200">
+                <a:solidFill>
+                  <a:schemeClr val="tx1">
+                    <a:lumMod val="65000"/>
+                    <a:lumOff val="35000"/>
+                  </a:schemeClr>
+                </a:solidFill>
+                <a:latin typeface="+mn-lt"/>
+                <a:ea typeface="+mn-ea"/>
+                <a:cs typeface="+mn-cs"/>
+              </a:defRPr>
+            </a:lvl3pPr>
+            <a:lvl4pPr marL="1371600" indent="0" algn="ctr" defTabSz="914400" rtl="0" eaLnBrk="1" latinLnBrk="0" hangingPunct="1">
+              <a:lnSpc>
+                <a:spcPct val="110000"/>
+              </a:lnSpc>
+              <a:spcBef>
+                <a:spcPts val="700"/>
+              </a:spcBef>
+              <a:buClr>
+                <a:schemeClr val="tx2"/>
+              </a:buClr>
+              <a:buFont typeface="Gill Sans MT" panose="020B0502020104020203" pitchFamily="34" charset="0"/>
+              <a:buNone/>
+              <a:defRPr sz="1600" kern="1200">
+                <a:solidFill>
+                  <a:schemeClr val="tx1">
+                    <a:lumMod val="65000"/>
+                    <a:lumOff val="35000"/>
+                  </a:schemeClr>
+                </a:solidFill>
+                <a:latin typeface="+mn-lt"/>
+                <a:ea typeface="+mn-ea"/>
+                <a:cs typeface="+mn-cs"/>
+              </a:defRPr>
+            </a:lvl4pPr>
+            <a:lvl5pPr marL="1828800" indent="0" algn="ctr" defTabSz="914400" rtl="0" eaLnBrk="1" latinLnBrk="0" hangingPunct="1">
+              <a:lnSpc>
+                <a:spcPct val="110000"/>
+              </a:lnSpc>
+              <a:spcBef>
+                <a:spcPts val="700"/>
+              </a:spcBef>
+              <a:buClr>
+                <a:schemeClr val="tx2"/>
+              </a:buClr>
+              <a:buFont typeface="Arial" panose="020B0604020202020204" pitchFamily="34" charset="0"/>
+              <a:buNone/>
+              <a:defRPr sz="1600" kern="1200">
+                <a:solidFill>
+                  <a:schemeClr val="tx1">
+                    <a:lumMod val="65000"/>
+                    <a:lumOff val="35000"/>
+                  </a:schemeClr>
+                </a:solidFill>
+                <a:latin typeface="+mn-lt"/>
+                <a:ea typeface="+mn-ea"/>
+                <a:cs typeface="+mn-cs"/>
+              </a:defRPr>
+            </a:lvl5pPr>
+            <a:lvl6pPr marL="2286000" indent="0" algn="ctr" defTabSz="914400" rtl="0" eaLnBrk="1" latinLnBrk="0" hangingPunct="1">
+              <a:lnSpc>
+                <a:spcPct val="110000"/>
+              </a:lnSpc>
+              <a:spcBef>
+                <a:spcPts val="700"/>
+              </a:spcBef>
+              <a:buClr>
+                <a:schemeClr val="tx2"/>
+              </a:buClr>
+              <a:buFont typeface="Gill Sans MT" panose="020B0502020104020203" pitchFamily="34" charset="0"/>
+              <a:buNone/>
+              <a:defRPr sz="1600" kern="1200">
+                <a:solidFill>
+                  <a:schemeClr val="tx1">
+                    <a:lumMod val="65000"/>
+                    <a:lumOff val="35000"/>
+                  </a:schemeClr>
+                </a:solidFill>
+                <a:latin typeface="+mn-lt"/>
+                <a:ea typeface="+mn-ea"/>
+                <a:cs typeface="+mn-cs"/>
+              </a:defRPr>
+            </a:lvl6pPr>
+            <a:lvl7pPr marL="2743200" indent="0" algn="ctr" defTabSz="914400" rtl="0" eaLnBrk="1" latinLnBrk="0" hangingPunct="1">
+              <a:lnSpc>
+                <a:spcPct val="110000"/>
+              </a:lnSpc>
+              <a:spcBef>
+                <a:spcPts val="700"/>
+              </a:spcBef>
+              <a:buClr>
+                <a:schemeClr val="tx2"/>
+              </a:buClr>
+              <a:buFont typeface="Arial" panose="020B0604020202020204" pitchFamily="34" charset="0"/>
+              <a:buNone/>
+              <a:defRPr sz="1600" kern="1200">
+                <a:solidFill>
+                  <a:schemeClr val="tx1">
+                    <a:lumMod val="65000"/>
+                    <a:lumOff val="35000"/>
+                  </a:schemeClr>
+                </a:solidFill>
+                <a:latin typeface="+mn-lt"/>
+                <a:ea typeface="+mn-ea"/>
+                <a:cs typeface="+mn-cs"/>
+              </a:defRPr>
+            </a:lvl7pPr>
+            <a:lvl8pPr marL="3200400" indent="0" algn="ctr" defTabSz="914400" rtl="0" eaLnBrk="1" latinLnBrk="0" hangingPunct="1">
+              <a:lnSpc>
+                <a:spcPct val="110000"/>
+              </a:lnSpc>
+              <a:spcBef>
+                <a:spcPts val="700"/>
+              </a:spcBef>
+              <a:buClr>
+                <a:schemeClr val="tx2"/>
+              </a:buClr>
+              <a:buFont typeface="Gill Sans MT" panose="020B0502020104020203" pitchFamily="34" charset="0"/>
+              <a:buNone/>
+              <a:defRPr sz="1600" kern="1200" baseline="0">
+                <a:solidFill>
+                  <a:schemeClr val="tx1">
+                    <a:lumMod val="65000"/>
+                    <a:lumOff val="35000"/>
+                  </a:schemeClr>
+                </a:solidFill>
+                <a:latin typeface="+mn-lt"/>
+                <a:ea typeface="+mn-ea"/>
+                <a:cs typeface="+mn-cs"/>
+              </a:defRPr>
+            </a:lvl8pPr>
+            <a:lvl9pPr marL="3657600" indent="0" algn="ctr" defTabSz="914400" rtl="0" eaLnBrk="1" latinLnBrk="0" hangingPunct="1">
+              <a:lnSpc>
+                <a:spcPct val="110000"/>
+              </a:lnSpc>
+              <a:spcBef>
+                <a:spcPts val="700"/>
+              </a:spcBef>
+              <a:buClr>
+                <a:schemeClr val="tx2"/>
+              </a:buClr>
+              <a:buFont typeface="Arial" panose="020B0604020202020204" pitchFamily="34" charset="0"/>
+              <a:buNone/>
+              <a:defRPr sz="1600" kern="1200" baseline="0">
+                <a:solidFill>
+                  <a:schemeClr val="tx1">
+                    <a:lumMod val="65000"/>
+                    <a:lumOff val="35000"/>
+                  </a:schemeClr>
+                </a:solidFill>
+                <a:latin typeface="+mn-lt"/>
+                <a:ea typeface="+mn-ea"/>
+                <a:cs typeface="+mn-cs"/>
+              </a:defRPr>
+            </a:lvl9pPr>
+          </a:lstStyle>
+          <a:p>
+            <a:r>
+              <a:rPr lang="en-GB" dirty="0" err="1" smtClean="0"/>
+              <a:t>Paulraj</a:t>
+            </a:r>
+            <a:r>
+              <a:rPr lang="en-GB" sz="1800" dirty="0" smtClean="0"/>
+              <a:t> </a:t>
+            </a:r>
+            <a:r>
+              <a:rPr lang="en-GB" dirty="0" err="1" smtClean="0"/>
+              <a:t>madasAmy</a:t>
+            </a:r>
+            <a:endParaRPr lang="en-GB" dirty="0" smtClean="0"/>
+          </a:p>
+          <a:p>
+            <a:r>
+              <a:rPr lang="en-GB" sz="1200" dirty="0" smtClean="0"/>
+              <a:t>@</a:t>
+            </a:r>
+            <a:r>
+              <a:rPr lang="en-GB" sz="1200" dirty="0" err="1" smtClean="0"/>
+              <a:t>coolpaulraj</a:t>
+            </a:r>
+            <a:endParaRPr lang="en-GB" sz="1200" dirty="0"/>
+          </a:p>
+        </p:txBody>
+      </p:sp>
+      <p:sp>
+        <p:nvSpPr>
+          <p:cNvPr id="7" name="Subtitle 2"/>
+          <p:cNvSpPr txBox="1">
+            <a:spLocks/>
+          </p:cNvSpPr>
+          <p:nvPr/>
+        </p:nvSpPr>
+        <p:spPr>
+          <a:xfrm>
+            <a:off x="5317730" y="5936494"/>
+            <a:ext cx="8045373" cy="742279"/>
+          </a:xfrm>
+          <a:prstGeom prst="rect">
+            <a:avLst/>
+          </a:prstGeom>
+        </p:spPr>
+        <p:txBody>
+          <a:bodyPr vert="horz" lIns="91440" tIns="45720" rIns="91440" bIns="45720" rtlCol="0" anchor="t">
+            <a:noAutofit/>
+          </a:bodyPr>
+          <a:lstStyle>
+            <a:lvl1pPr marL="0" indent="0" algn="ctr" defTabSz="914400" rtl="0" eaLnBrk="1" latinLnBrk="0" hangingPunct="1">
+              <a:lnSpc>
+                <a:spcPct val="100000"/>
+              </a:lnSpc>
+              <a:spcBef>
+                <a:spcPts val="700"/>
+              </a:spcBef>
+              <a:buClr>
+                <a:schemeClr val="tx2"/>
+              </a:buClr>
+              <a:buFont typeface="Arial" panose="020B0604020202020204" pitchFamily="34" charset="0"/>
+              <a:buNone/>
+              <a:defRPr sz="2000" b="1" i="0" kern="1200" cap="all" spc="400" baseline="0">
+                <a:solidFill>
+                  <a:schemeClr val="tx2"/>
+                </a:solidFill>
+                <a:latin typeface="+mn-lt"/>
+                <a:ea typeface="+mn-ea"/>
+                <a:cs typeface="+mn-cs"/>
+              </a:defRPr>
+            </a:lvl1pPr>
+            <a:lvl2pPr marL="457200" indent="0" algn="ctr" defTabSz="914400" rtl="0" eaLnBrk="1" latinLnBrk="0" hangingPunct="1">
+              <a:lnSpc>
+                <a:spcPct val="110000"/>
+              </a:lnSpc>
+              <a:spcBef>
+                <a:spcPts val="700"/>
+              </a:spcBef>
+              <a:buClr>
+                <a:schemeClr val="tx2"/>
+              </a:buClr>
+              <a:buFont typeface="Gill Sans MT" panose="020B0502020104020203" pitchFamily="34" charset="0"/>
+              <a:buNone/>
+              <a:defRPr sz="2000" kern="1200">
+                <a:solidFill>
+                  <a:schemeClr val="tx1">
+                    <a:lumMod val="65000"/>
+                    <a:lumOff val="35000"/>
+                  </a:schemeClr>
+                </a:solidFill>
+                <a:latin typeface="+mn-lt"/>
+                <a:ea typeface="+mn-ea"/>
+                <a:cs typeface="+mn-cs"/>
+              </a:defRPr>
+            </a:lvl2pPr>
+            <a:lvl3pPr marL="914400" indent="0" algn="ctr" defTabSz="914400" rtl="0" eaLnBrk="1" latinLnBrk="0" hangingPunct="1">
+              <a:lnSpc>
+                <a:spcPct val="110000"/>
+              </a:lnSpc>
+              <a:spcBef>
+                <a:spcPts val="700"/>
+              </a:spcBef>
+              <a:buClr>
+                <a:schemeClr val="tx2"/>
+              </a:buClr>
+              <a:buFont typeface="Arial" panose="020B0604020202020204" pitchFamily="34" charset="0"/>
+              <a:buNone/>
+              <a:defRPr sz="1800" kern="1200">
+                <a:solidFill>
+                  <a:schemeClr val="tx1">
+                    <a:lumMod val="65000"/>
+                    <a:lumOff val="35000"/>
+                  </a:schemeClr>
+                </a:solidFill>
+                <a:latin typeface="+mn-lt"/>
+                <a:ea typeface="+mn-ea"/>
+                <a:cs typeface="+mn-cs"/>
+              </a:defRPr>
+            </a:lvl3pPr>
+            <a:lvl4pPr marL="1371600" indent="0" algn="ctr" defTabSz="914400" rtl="0" eaLnBrk="1" latinLnBrk="0" hangingPunct="1">
+              <a:lnSpc>
+                <a:spcPct val="110000"/>
+              </a:lnSpc>
+              <a:spcBef>
+                <a:spcPts val="700"/>
+              </a:spcBef>
+              <a:buClr>
+                <a:schemeClr val="tx2"/>
+              </a:buClr>
+              <a:buFont typeface="Gill Sans MT" panose="020B0502020104020203" pitchFamily="34" charset="0"/>
+              <a:buNone/>
+              <a:defRPr sz="1600" kern="1200">
+                <a:solidFill>
+                  <a:schemeClr val="tx1">
+                    <a:lumMod val="65000"/>
+                    <a:lumOff val="35000"/>
+                  </a:schemeClr>
+                </a:solidFill>
+                <a:latin typeface="+mn-lt"/>
+                <a:ea typeface="+mn-ea"/>
+                <a:cs typeface="+mn-cs"/>
+              </a:defRPr>
+            </a:lvl4pPr>
+            <a:lvl5pPr marL="1828800" indent="0" algn="ctr" defTabSz="914400" rtl="0" eaLnBrk="1" latinLnBrk="0" hangingPunct="1">
+              <a:lnSpc>
+                <a:spcPct val="110000"/>
+              </a:lnSpc>
+              <a:spcBef>
+                <a:spcPts val="700"/>
+              </a:spcBef>
+              <a:buClr>
+                <a:schemeClr val="tx2"/>
+              </a:buClr>
+              <a:buFont typeface="Arial" panose="020B0604020202020204" pitchFamily="34" charset="0"/>
+              <a:buNone/>
+              <a:defRPr sz="1600" kern="1200">
+                <a:solidFill>
+                  <a:schemeClr val="tx1">
+                    <a:lumMod val="65000"/>
+                    <a:lumOff val="35000"/>
+                  </a:schemeClr>
+                </a:solidFill>
+                <a:latin typeface="+mn-lt"/>
+                <a:ea typeface="+mn-ea"/>
+                <a:cs typeface="+mn-cs"/>
+              </a:defRPr>
+            </a:lvl5pPr>
+            <a:lvl6pPr marL="2286000" indent="0" algn="ctr" defTabSz="914400" rtl="0" eaLnBrk="1" latinLnBrk="0" hangingPunct="1">
+              <a:lnSpc>
+                <a:spcPct val="110000"/>
+              </a:lnSpc>
+              <a:spcBef>
+                <a:spcPts val="700"/>
+              </a:spcBef>
+              <a:buClr>
+                <a:schemeClr val="tx2"/>
+              </a:buClr>
+              <a:buFont typeface="Gill Sans MT" panose="020B0502020104020203" pitchFamily="34" charset="0"/>
+              <a:buNone/>
+              <a:defRPr sz="1600" kern="1200">
+                <a:solidFill>
+                  <a:schemeClr val="tx1">
+                    <a:lumMod val="65000"/>
+                    <a:lumOff val="35000"/>
+                  </a:schemeClr>
+                </a:solidFill>
+                <a:latin typeface="+mn-lt"/>
+                <a:ea typeface="+mn-ea"/>
+                <a:cs typeface="+mn-cs"/>
+              </a:defRPr>
+            </a:lvl6pPr>
+            <a:lvl7pPr marL="2743200" indent="0" algn="ctr" defTabSz="914400" rtl="0" eaLnBrk="1" latinLnBrk="0" hangingPunct="1">
+              <a:lnSpc>
+                <a:spcPct val="110000"/>
+              </a:lnSpc>
+              <a:spcBef>
+                <a:spcPts val="700"/>
+              </a:spcBef>
+              <a:buClr>
+                <a:schemeClr val="tx2"/>
+              </a:buClr>
+              <a:buFont typeface="Arial" panose="020B0604020202020204" pitchFamily="34" charset="0"/>
+              <a:buNone/>
+              <a:defRPr sz="1600" kern="1200">
+                <a:solidFill>
+                  <a:schemeClr val="tx1">
+                    <a:lumMod val="65000"/>
+                    <a:lumOff val="35000"/>
+                  </a:schemeClr>
+                </a:solidFill>
+                <a:latin typeface="+mn-lt"/>
+                <a:ea typeface="+mn-ea"/>
+                <a:cs typeface="+mn-cs"/>
+              </a:defRPr>
+            </a:lvl7pPr>
+            <a:lvl8pPr marL="3200400" indent="0" algn="ctr" defTabSz="914400" rtl="0" eaLnBrk="1" latinLnBrk="0" hangingPunct="1">
+              <a:lnSpc>
+                <a:spcPct val="110000"/>
+              </a:lnSpc>
+              <a:spcBef>
+                <a:spcPts val="700"/>
+              </a:spcBef>
+              <a:buClr>
+                <a:schemeClr val="tx2"/>
+              </a:buClr>
+              <a:buFont typeface="Gill Sans MT" panose="020B0502020104020203" pitchFamily="34" charset="0"/>
+              <a:buNone/>
+              <a:defRPr sz="1600" kern="1200" baseline="0">
+                <a:solidFill>
+                  <a:schemeClr val="tx1">
+                    <a:lumMod val="65000"/>
+                    <a:lumOff val="35000"/>
+                  </a:schemeClr>
+                </a:solidFill>
+                <a:latin typeface="+mn-lt"/>
+                <a:ea typeface="+mn-ea"/>
+                <a:cs typeface="+mn-cs"/>
+              </a:defRPr>
+            </a:lvl8pPr>
+            <a:lvl9pPr marL="3657600" indent="0" algn="ctr" defTabSz="914400" rtl="0" eaLnBrk="1" latinLnBrk="0" hangingPunct="1">
+              <a:lnSpc>
+                <a:spcPct val="110000"/>
+              </a:lnSpc>
+              <a:spcBef>
+                <a:spcPts val="700"/>
+              </a:spcBef>
+              <a:buClr>
+                <a:schemeClr val="tx2"/>
+              </a:buClr>
+              <a:buFont typeface="Arial" panose="020B0604020202020204" pitchFamily="34" charset="0"/>
+              <a:buNone/>
+              <a:defRPr sz="1600" kern="1200" baseline="0">
+                <a:solidFill>
+                  <a:schemeClr val="tx1">
+                    <a:lumMod val="65000"/>
+                    <a:lumOff val="35000"/>
+                  </a:schemeClr>
+                </a:solidFill>
+                <a:latin typeface="+mn-lt"/>
+                <a:ea typeface="+mn-ea"/>
+                <a:cs typeface="+mn-cs"/>
+              </a:defRPr>
+            </a:lvl9pPr>
+          </a:lstStyle>
+          <a:p>
+            <a:r>
+              <a:rPr lang="en-GB" dirty="0" err="1" smtClean="0"/>
+              <a:t>Siddhant</a:t>
+            </a:r>
+            <a:r>
+              <a:rPr lang="en-GB" sz="1800" dirty="0" smtClean="0"/>
+              <a:t> </a:t>
+            </a:r>
+            <a:r>
+              <a:rPr lang="en-GB" dirty="0" err="1" smtClean="0"/>
+              <a:t>baviskar</a:t>
+            </a:r>
+            <a:endParaRPr lang="en-GB" dirty="0" smtClean="0"/>
+          </a:p>
+          <a:p>
+            <a:r>
+              <a:rPr lang="en-GB" sz="1200" dirty="0" smtClean="0"/>
+              <a:t>	@</a:t>
+            </a:r>
+            <a:r>
+              <a:rPr lang="en-GB" sz="1200" dirty="0"/>
+              <a:t>siddhantfri3nds</a:t>
+            </a:r>
+          </a:p>
+        </p:txBody>
+      </p:sp>
+      <p:sp>
+        <p:nvSpPr>
+          <p:cNvPr id="8" name="Subtitle 2"/>
+          <p:cNvSpPr txBox="1">
+            <a:spLocks/>
+          </p:cNvSpPr>
+          <p:nvPr/>
+        </p:nvSpPr>
+        <p:spPr>
+          <a:xfrm>
+            <a:off x="5997406" y="1802967"/>
+            <a:ext cx="8045373" cy="742279"/>
+          </a:xfrm>
+          <a:prstGeom prst="rect">
+            <a:avLst/>
+          </a:prstGeom>
+        </p:spPr>
+        <p:txBody>
+          <a:bodyPr vert="horz" lIns="91440" tIns="45720" rIns="91440" bIns="45720" rtlCol="0" anchor="t">
+            <a:noAutofit/>
+          </a:bodyPr>
+          <a:lstStyle>
+            <a:lvl1pPr marL="0" indent="0" algn="ctr" defTabSz="914400" rtl="0" eaLnBrk="1" latinLnBrk="0" hangingPunct="1">
+              <a:lnSpc>
+                <a:spcPct val="100000"/>
+              </a:lnSpc>
+              <a:spcBef>
+                <a:spcPts val="700"/>
+              </a:spcBef>
+              <a:buClr>
+                <a:schemeClr val="tx2"/>
+              </a:buClr>
+              <a:buFont typeface="Arial" panose="020B0604020202020204" pitchFamily="34" charset="0"/>
+              <a:buNone/>
+              <a:defRPr sz="2000" b="1" i="0" kern="1200" cap="all" spc="400" baseline="0">
+                <a:solidFill>
+                  <a:schemeClr val="tx2"/>
+                </a:solidFill>
+                <a:latin typeface="+mn-lt"/>
+                <a:ea typeface="+mn-ea"/>
+                <a:cs typeface="+mn-cs"/>
+              </a:defRPr>
+            </a:lvl1pPr>
+            <a:lvl2pPr marL="457200" indent="0" algn="ctr" defTabSz="914400" rtl="0" eaLnBrk="1" latinLnBrk="0" hangingPunct="1">
+              <a:lnSpc>
+                <a:spcPct val="110000"/>
+              </a:lnSpc>
+              <a:spcBef>
+                <a:spcPts val="700"/>
+              </a:spcBef>
+              <a:buClr>
+                <a:schemeClr val="tx2"/>
+              </a:buClr>
+              <a:buFont typeface="Gill Sans MT" panose="020B0502020104020203" pitchFamily="34" charset="0"/>
+              <a:buNone/>
+              <a:defRPr sz="2000" kern="1200">
+                <a:solidFill>
+                  <a:schemeClr val="tx1">
+                    <a:lumMod val="65000"/>
+                    <a:lumOff val="35000"/>
+                  </a:schemeClr>
+                </a:solidFill>
+                <a:latin typeface="+mn-lt"/>
+                <a:ea typeface="+mn-ea"/>
+                <a:cs typeface="+mn-cs"/>
+              </a:defRPr>
+            </a:lvl2pPr>
+            <a:lvl3pPr marL="914400" indent="0" algn="ctr" defTabSz="914400" rtl="0" eaLnBrk="1" latinLnBrk="0" hangingPunct="1">
+              <a:lnSpc>
+                <a:spcPct val="110000"/>
+              </a:lnSpc>
+              <a:spcBef>
+                <a:spcPts val="700"/>
+              </a:spcBef>
+              <a:buClr>
+                <a:schemeClr val="tx2"/>
+              </a:buClr>
+              <a:buFont typeface="Arial" panose="020B0604020202020204" pitchFamily="34" charset="0"/>
+              <a:buNone/>
+              <a:defRPr sz="1800" kern="1200">
+                <a:solidFill>
+                  <a:schemeClr val="tx1">
+                    <a:lumMod val="65000"/>
+                    <a:lumOff val="35000"/>
+                  </a:schemeClr>
+                </a:solidFill>
+                <a:latin typeface="+mn-lt"/>
+                <a:ea typeface="+mn-ea"/>
+                <a:cs typeface="+mn-cs"/>
+              </a:defRPr>
+            </a:lvl3pPr>
+            <a:lvl4pPr marL="1371600" indent="0" algn="ctr" defTabSz="914400" rtl="0" eaLnBrk="1" latinLnBrk="0" hangingPunct="1">
+              <a:lnSpc>
+                <a:spcPct val="110000"/>
+              </a:lnSpc>
+              <a:spcBef>
+                <a:spcPts val="700"/>
+              </a:spcBef>
+              <a:buClr>
+                <a:schemeClr val="tx2"/>
+              </a:buClr>
+              <a:buFont typeface="Gill Sans MT" panose="020B0502020104020203" pitchFamily="34" charset="0"/>
+              <a:buNone/>
+              <a:defRPr sz="1600" kern="1200">
+                <a:solidFill>
+                  <a:schemeClr val="tx1">
+                    <a:lumMod val="65000"/>
+                    <a:lumOff val="35000"/>
+                  </a:schemeClr>
+                </a:solidFill>
+                <a:latin typeface="+mn-lt"/>
+                <a:ea typeface="+mn-ea"/>
+                <a:cs typeface="+mn-cs"/>
+              </a:defRPr>
+            </a:lvl4pPr>
+            <a:lvl5pPr marL="1828800" indent="0" algn="ctr" defTabSz="914400" rtl="0" eaLnBrk="1" latinLnBrk="0" hangingPunct="1">
+              <a:lnSpc>
+                <a:spcPct val="110000"/>
+              </a:lnSpc>
+              <a:spcBef>
+                <a:spcPts val="700"/>
+              </a:spcBef>
+              <a:buClr>
+                <a:schemeClr val="tx2"/>
+              </a:buClr>
+              <a:buFont typeface="Arial" panose="020B0604020202020204" pitchFamily="34" charset="0"/>
+              <a:buNone/>
+              <a:defRPr sz="1600" kern="1200">
+                <a:solidFill>
+                  <a:schemeClr val="tx1">
+                    <a:lumMod val="65000"/>
+                    <a:lumOff val="35000"/>
+                  </a:schemeClr>
+                </a:solidFill>
+                <a:latin typeface="+mn-lt"/>
+                <a:ea typeface="+mn-ea"/>
+                <a:cs typeface="+mn-cs"/>
+              </a:defRPr>
+            </a:lvl5pPr>
+            <a:lvl6pPr marL="2286000" indent="0" algn="ctr" defTabSz="914400" rtl="0" eaLnBrk="1" latinLnBrk="0" hangingPunct="1">
+              <a:lnSpc>
+                <a:spcPct val="110000"/>
+              </a:lnSpc>
+              <a:spcBef>
+                <a:spcPts val="700"/>
+              </a:spcBef>
+              <a:buClr>
+                <a:schemeClr val="tx2"/>
+              </a:buClr>
+              <a:buFont typeface="Gill Sans MT" panose="020B0502020104020203" pitchFamily="34" charset="0"/>
+              <a:buNone/>
+              <a:defRPr sz="1600" kern="1200">
+                <a:solidFill>
+                  <a:schemeClr val="tx1">
+                    <a:lumMod val="65000"/>
+                    <a:lumOff val="35000"/>
+                  </a:schemeClr>
+                </a:solidFill>
+                <a:latin typeface="+mn-lt"/>
+                <a:ea typeface="+mn-ea"/>
+                <a:cs typeface="+mn-cs"/>
+              </a:defRPr>
+            </a:lvl6pPr>
+            <a:lvl7pPr marL="2743200" indent="0" algn="ctr" defTabSz="914400" rtl="0" eaLnBrk="1" latinLnBrk="0" hangingPunct="1">
+              <a:lnSpc>
+                <a:spcPct val="110000"/>
+              </a:lnSpc>
+              <a:spcBef>
+                <a:spcPts val="700"/>
+              </a:spcBef>
+              <a:buClr>
+                <a:schemeClr val="tx2"/>
+              </a:buClr>
+              <a:buFont typeface="Arial" panose="020B0604020202020204" pitchFamily="34" charset="0"/>
+              <a:buNone/>
+              <a:defRPr sz="1600" kern="1200">
+                <a:solidFill>
+                  <a:schemeClr val="tx1">
+                    <a:lumMod val="65000"/>
+                    <a:lumOff val="35000"/>
+                  </a:schemeClr>
+                </a:solidFill>
+                <a:latin typeface="+mn-lt"/>
+                <a:ea typeface="+mn-ea"/>
+                <a:cs typeface="+mn-cs"/>
+              </a:defRPr>
+            </a:lvl7pPr>
+            <a:lvl8pPr marL="3200400" indent="0" algn="ctr" defTabSz="914400" rtl="0" eaLnBrk="1" latinLnBrk="0" hangingPunct="1">
+              <a:lnSpc>
+                <a:spcPct val="110000"/>
+              </a:lnSpc>
+              <a:spcBef>
+                <a:spcPts val="700"/>
+              </a:spcBef>
+              <a:buClr>
+                <a:schemeClr val="tx2"/>
+              </a:buClr>
+              <a:buFont typeface="Gill Sans MT" panose="020B0502020104020203" pitchFamily="34" charset="0"/>
+              <a:buNone/>
+              <a:defRPr sz="1600" kern="1200" baseline="0">
+                <a:solidFill>
+                  <a:schemeClr val="tx1">
+                    <a:lumMod val="65000"/>
+                    <a:lumOff val="35000"/>
+                  </a:schemeClr>
+                </a:solidFill>
+                <a:latin typeface="+mn-lt"/>
+                <a:ea typeface="+mn-ea"/>
+                <a:cs typeface="+mn-cs"/>
+              </a:defRPr>
+            </a:lvl8pPr>
+            <a:lvl9pPr marL="3657600" indent="0" algn="ctr" defTabSz="914400" rtl="0" eaLnBrk="1" latinLnBrk="0" hangingPunct="1">
+              <a:lnSpc>
+                <a:spcPct val="110000"/>
+              </a:lnSpc>
+              <a:spcBef>
+                <a:spcPts val="700"/>
+              </a:spcBef>
+              <a:buClr>
+                <a:schemeClr val="tx2"/>
+              </a:buClr>
+              <a:buFont typeface="Arial" panose="020B0604020202020204" pitchFamily="34" charset="0"/>
+              <a:buNone/>
+              <a:defRPr sz="1600" kern="1200" baseline="0">
+                <a:solidFill>
+                  <a:schemeClr val="tx1">
+                    <a:lumMod val="65000"/>
+                    <a:lumOff val="35000"/>
+                  </a:schemeClr>
+                </a:solidFill>
+                <a:latin typeface="+mn-lt"/>
+                <a:ea typeface="+mn-ea"/>
+                <a:cs typeface="+mn-cs"/>
+              </a:defRPr>
+            </a:lvl9pPr>
+          </a:lstStyle>
+          <a:p>
+            <a:r>
+              <a:rPr lang="en-GB" dirty="0" smtClean="0"/>
+              <a:t>Jack</a:t>
+            </a:r>
+            <a:r>
+              <a:rPr lang="en-GB" sz="1800" dirty="0" smtClean="0"/>
+              <a:t> </a:t>
+            </a:r>
+            <a:r>
+              <a:rPr lang="en-GB" dirty="0" smtClean="0"/>
+              <a:t>chandler</a:t>
+            </a:r>
+          </a:p>
+          <a:p>
+            <a:r>
+              <a:rPr lang="en-GB" sz="1200" dirty="0" smtClean="0"/>
+              <a:t>	@</a:t>
+            </a:r>
+            <a:r>
+              <a:rPr lang="en-GB" sz="1200" dirty="0" err="1"/>
+              <a:t>jackchan</a:t>
+            </a:r>
+            <a:r>
+              <a:rPr lang="en-GB" sz="1200" dirty="0"/>
+              <a:t>_</a:t>
+            </a:r>
+          </a:p>
+        </p:txBody>
+      </p:sp>
+      <p:sp>
+        <p:nvSpPr>
+          <p:cNvPr id="9" name="Subtitle 2"/>
+          <p:cNvSpPr txBox="1">
+            <a:spLocks/>
+          </p:cNvSpPr>
+          <p:nvPr/>
+        </p:nvSpPr>
+        <p:spPr>
+          <a:xfrm>
+            <a:off x="4926360" y="340374"/>
+            <a:ext cx="8045373" cy="742279"/>
+          </a:xfrm>
+          <a:prstGeom prst="rect">
+            <a:avLst/>
+          </a:prstGeom>
+        </p:spPr>
+        <p:txBody>
+          <a:bodyPr vert="horz" lIns="91440" tIns="45720" rIns="91440" bIns="45720" rtlCol="0" anchor="t">
+            <a:noAutofit/>
+          </a:bodyPr>
+          <a:lstStyle>
+            <a:lvl1pPr marL="0" indent="0" algn="ctr" defTabSz="914400" rtl="0" eaLnBrk="1" latinLnBrk="0" hangingPunct="1">
+              <a:lnSpc>
+                <a:spcPct val="100000"/>
+              </a:lnSpc>
+              <a:spcBef>
+                <a:spcPts val="700"/>
+              </a:spcBef>
+              <a:buClr>
+                <a:schemeClr val="tx2"/>
+              </a:buClr>
+              <a:buFont typeface="Arial" panose="020B0604020202020204" pitchFamily="34" charset="0"/>
+              <a:buNone/>
+              <a:defRPr sz="2000" b="1" i="0" kern="1200" cap="all" spc="400" baseline="0">
+                <a:solidFill>
+                  <a:schemeClr val="tx2"/>
+                </a:solidFill>
+                <a:latin typeface="+mn-lt"/>
+                <a:ea typeface="+mn-ea"/>
+                <a:cs typeface="+mn-cs"/>
+              </a:defRPr>
+            </a:lvl1pPr>
+            <a:lvl2pPr marL="457200" indent="0" algn="ctr" defTabSz="914400" rtl="0" eaLnBrk="1" latinLnBrk="0" hangingPunct="1">
+              <a:lnSpc>
+                <a:spcPct val="110000"/>
+              </a:lnSpc>
+              <a:spcBef>
+                <a:spcPts val="700"/>
+              </a:spcBef>
+              <a:buClr>
+                <a:schemeClr val="tx2"/>
+              </a:buClr>
+              <a:buFont typeface="Gill Sans MT" panose="020B0502020104020203" pitchFamily="34" charset="0"/>
+              <a:buNone/>
+              <a:defRPr sz="2000" kern="1200">
+                <a:solidFill>
+                  <a:schemeClr val="tx1">
+                    <a:lumMod val="65000"/>
+                    <a:lumOff val="35000"/>
+                  </a:schemeClr>
+                </a:solidFill>
+                <a:latin typeface="+mn-lt"/>
+                <a:ea typeface="+mn-ea"/>
+                <a:cs typeface="+mn-cs"/>
+              </a:defRPr>
+            </a:lvl2pPr>
+            <a:lvl3pPr marL="914400" indent="0" algn="ctr" defTabSz="914400" rtl="0" eaLnBrk="1" latinLnBrk="0" hangingPunct="1">
+              <a:lnSpc>
+                <a:spcPct val="110000"/>
+              </a:lnSpc>
+              <a:spcBef>
+                <a:spcPts val="700"/>
+              </a:spcBef>
+              <a:buClr>
+                <a:schemeClr val="tx2"/>
+              </a:buClr>
+              <a:buFont typeface="Arial" panose="020B0604020202020204" pitchFamily="34" charset="0"/>
+              <a:buNone/>
+              <a:defRPr sz="1800" kern="1200">
+                <a:solidFill>
+                  <a:schemeClr val="tx1">
+                    <a:lumMod val="65000"/>
+                    <a:lumOff val="35000"/>
+                  </a:schemeClr>
+                </a:solidFill>
+                <a:latin typeface="+mn-lt"/>
+                <a:ea typeface="+mn-ea"/>
+                <a:cs typeface="+mn-cs"/>
+              </a:defRPr>
+            </a:lvl3pPr>
+            <a:lvl4pPr marL="1371600" indent="0" algn="ctr" defTabSz="914400" rtl="0" eaLnBrk="1" latinLnBrk="0" hangingPunct="1">
+              <a:lnSpc>
+                <a:spcPct val="110000"/>
+              </a:lnSpc>
+              <a:spcBef>
+                <a:spcPts val="700"/>
+              </a:spcBef>
+              <a:buClr>
+                <a:schemeClr val="tx2"/>
+              </a:buClr>
+              <a:buFont typeface="Gill Sans MT" panose="020B0502020104020203" pitchFamily="34" charset="0"/>
+              <a:buNone/>
+              <a:defRPr sz="1600" kern="1200">
+                <a:solidFill>
+                  <a:schemeClr val="tx1">
+                    <a:lumMod val="65000"/>
+                    <a:lumOff val="35000"/>
+                  </a:schemeClr>
+                </a:solidFill>
+                <a:latin typeface="+mn-lt"/>
+                <a:ea typeface="+mn-ea"/>
+                <a:cs typeface="+mn-cs"/>
+              </a:defRPr>
+            </a:lvl4pPr>
+            <a:lvl5pPr marL="1828800" indent="0" algn="ctr" defTabSz="914400" rtl="0" eaLnBrk="1" latinLnBrk="0" hangingPunct="1">
+              <a:lnSpc>
+                <a:spcPct val="110000"/>
+              </a:lnSpc>
+              <a:spcBef>
+                <a:spcPts val="700"/>
+              </a:spcBef>
+              <a:buClr>
+                <a:schemeClr val="tx2"/>
+              </a:buClr>
+              <a:buFont typeface="Arial" panose="020B0604020202020204" pitchFamily="34" charset="0"/>
+              <a:buNone/>
+              <a:defRPr sz="1600" kern="1200">
+                <a:solidFill>
+                  <a:schemeClr val="tx1">
+                    <a:lumMod val="65000"/>
+                    <a:lumOff val="35000"/>
+                  </a:schemeClr>
+                </a:solidFill>
+                <a:latin typeface="+mn-lt"/>
+                <a:ea typeface="+mn-ea"/>
+                <a:cs typeface="+mn-cs"/>
+              </a:defRPr>
+            </a:lvl5pPr>
+            <a:lvl6pPr marL="2286000" indent="0" algn="ctr" defTabSz="914400" rtl="0" eaLnBrk="1" latinLnBrk="0" hangingPunct="1">
+              <a:lnSpc>
+                <a:spcPct val="110000"/>
+              </a:lnSpc>
+              <a:spcBef>
+                <a:spcPts val="700"/>
+              </a:spcBef>
+              <a:buClr>
+                <a:schemeClr val="tx2"/>
+              </a:buClr>
+              <a:buFont typeface="Gill Sans MT" panose="020B0502020104020203" pitchFamily="34" charset="0"/>
+              <a:buNone/>
+              <a:defRPr sz="1600" kern="1200">
+                <a:solidFill>
+                  <a:schemeClr val="tx1">
+                    <a:lumMod val="65000"/>
+                    <a:lumOff val="35000"/>
+                  </a:schemeClr>
+                </a:solidFill>
+                <a:latin typeface="+mn-lt"/>
+                <a:ea typeface="+mn-ea"/>
+                <a:cs typeface="+mn-cs"/>
+              </a:defRPr>
+            </a:lvl6pPr>
+            <a:lvl7pPr marL="2743200" indent="0" algn="ctr" defTabSz="914400" rtl="0" eaLnBrk="1" latinLnBrk="0" hangingPunct="1">
+              <a:lnSpc>
+                <a:spcPct val="110000"/>
+              </a:lnSpc>
+              <a:spcBef>
+                <a:spcPts val="700"/>
+              </a:spcBef>
+              <a:buClr>
+                <a:schemeClr val="tx2"/>
+              </a:buClr>
+              <a:buFont typeface="Arial" panose="020B0604020202020204" pitchFamily="34" charset="0"/>
+              <a:buNone/>
+              <a:defRPr sz="1600" kern="1200">
+                <a:solidFill>
+                  <a:schemeClr val="tx1">
+                    <a:lumMod val="65000"/>
+                    <a:lumOff val="35000"/>
+                  </a:schemeClr>
+                </a:solidFill>
+                <a:latin typeface="+mn-lt"/>
+                <a:ea typeface="+mn-ea"/>
+                <a:cs typeface="+mn-cs"/>
+              </a:defRPr>
+            </a:lvl7pPr>
+            <a:lvl8pPr marL="3200400" indent="0" algn="ctr" defTabSz="914400" rtl="0" eaLnBrk="1" latinLnBrk="0" hangingPunct="1">
+              <a:lnSpc>
+                <a:spcPct val="110000"/>
+              </a:lnSpc>
+              <a:spcBef>
+                <a:spcPts val="700"/>
+              </a:spcBef>
+              <a:buClr>
+                <a:schemeClr val="tx2"/>
+              </a:buClr>
+              <a:buFont typeface="Gill Sans MT" panose="020B0502020104020203" pitchFamily="34" charset="0"/>
+              <a:buNone/>
+              <a:defRPr sz="1600" kern="1200" baseline="0">
+                <a:solidFill>
+                  <a:schemeClr val="tx1">
+                    <a:lumMod val="65000"/>
+                    <a:lumOff val="35000"/>
+                  </a:schemeClr>
+                </a:solidFill>
+                <a:latin typeface="+mn-lt"/>
+                <a:ea typeface="+mn-ea"/>
+                <a:cs typeface="+mn-cs"/>
+              </a:defRPr>
+            </a:lvl8pPr>
+            <a:lvl9pPr marL="3657600" indent="0" algn="ctr" defTabSz="914400" rtl="0" eaLnBrk="1" latinLnBrk="0" hangingPunct="1">
+              <a:lnSpc>
+                <a:spcPct val="110000"/>
+              </a:lnSpc>
+              <a:spcBef>
+                <a:spcPts val="700"/>
+              </a:spcBef>
+              <a:buClr>
+                <a:schemeClr val="tx2"/>
+              </a:buClr>
+              <a:buFont typeface="Arial" panose="020B0604020202020204" pitchFamily="34" charset="0"/>
+              <a:buNone/>
+              <a:defRPr sz="1600" kern="1200" baseline="0">
+                <a:solidFill>
+                  <a:schemeClr val="tx1">
+                    <a:lumMod val="65000"/>
+                    <a:lumOff val="35000"/>
+                  </a:schemeClr>
+                </a:solidFill>
+                <a:latin typeface="+mn-lt"/>
+                <a:ea typeface="+mn-ea"/>
+                <a:cs typeface="+mn-cs"/>
+              </a:defRPr>
+            </a:lvl9pPr>
+          </a:lstStyle>
+          <a:p>
+            <a:r>
               <a:rPr lang="en-GB" sz="1800" dirty="0" smtClean="0"/>
               <a:t>By</a:t>
             </a:r>
           </a:p>
           <a:p>
             <a:r>
-              <a:rPr lang="en-GB" sz="1800" dirty="0" smtClean="0"/>
+              <a:rPr lang="en-GB" dirty="0" smtClean="0"/>
               <a:t>Amit Varshney</a:t>
             </a:r>
           </a:p>
           <a:p>
             <a:r>
-              <a:rPr lang="en-GB" sz="1800" dirty="0" smtClean="0"/>
-              <a:t>Jack chandler</a:t>
-            </a:r>
-          </a:p>
-          <a:p>
-            <a:r>
-              <a:rPr lang="en-GB" sz="1800" dirty="0" smtClean="0"/>
-              <a:t>Milton li</a:t>
-            </a:r>
-          </a:p>
-          <a:p>
-            <a:r>
-              <a:rPr lang="en-GB" sz="1800" dirty="0" err="1" smtClean="0"/>
-              <a:t>Paulraj</a:t>
-            </a:r>
-            <a:r>
-              <a:rPr lang="en-GB" sz="1800" dirty="0" smtClean="0"/>
-              <a:t> </a:t>
-            </a:r>
-            <a:r>
-              <a:rPr lang="en-GB" sz="1800" dirty="0" err="1" smtClean="0"/>
-              <a:t>madasAmy</a:t>
-            </a:r>
-            <a:endParaRPr lang="en-GB" sz="1800" dirty="0" smtClean="0"/>
-          </a:p>
-          <a:p>
-            <a:r>
-              <a:rPr lang="en-GB" sz="1800" dirty="0" err="1" smtClean="0"/>
-              <a:t>Siddhant</a:t>
-            </a:r>
-            <a:r>
-              <a:rPr lang="en-GB" sz="1800" dirty="0" smtClean="0"/>
-              <a:t> </a:t>
-            </a:r>
-            <a:r>
-              <a:rPr lang="en-GB" sz="1800" dirty="0" err="1" smtClean="0"/>
-              <a:t>baviskar</a:t>
-            </a:r>
-            <a:endParaRPr lang="en-GB" sz="1800" dirty="0"/>
+              <a:rPr lang="en-GB" sz="1200" dirty="0" smtClean="0"/>
+              <a:t>		@</a:t>
+            </a:r>
+            <a:r>
+              <a:rPr lang="en-GB" sz="1200" dirty="0" err="1" smtClean="0"/>
+              <a:t>amitheunlimited</a:t>
+            </a:r>
+            <a:endParaRPr lang="en-GB" sz="1200" dirty="0" smtClean="0"/>
           </a:p>
         </p:txBody>
       </p:sp>
     </p:spTree>
     <p:extLst>
       <p:ext uri="{BB962C8B-B14F-4D97-AF65-F5344CB8AC3E}">
-        <p14:creationId xmlns:p14="http://schemas.microsoft.com/office/powerpoint/2010/main" val="40369139"/>
+        <p14:creationId xmlns:p14="http://schemas.microsoft.com/office/powerpoint/2010/main" val="3414218311"/>
       </p:ext>
     </p:extLst>
   </p:cSld>
@@ -7251,10 +8276,10 @@
           <a:lstStyle/>
           <a:p>
             <a:r>
-              <a:rPr lang="en-GB" sz="3600" dirty="0" smtClean="0"/>
-              <a:t>AIM – To provide a live speed limit notification based on weather and location of the vehicle to a driver</a:t>
-            </a:r>
-            <a:endParaRPr lang="en-GB" sz="3600" dirty="0"/>
+              <a:rPr lang="en-GB" dirty="0"/>
+              <a:t>The Problem</a:t>
+            </a:r>
+            <a:endParaRPr lang="en-GB" dirty="0"/>
           </a:p>
         </p:txBody>
       </p:sp>
@@ -7270,10 +8295,41 @@
         </p:nvSpPr>
         <p:spPr/>
         <p:txBody>
-          <a:bodyPr/>
+          <a:bodyPr>
+            <a:normAutofit/>
+          </a:bodyPr>
           <a:lstStyle/>
           <a:p>
-            <a:endParaRPr lang="en-GB" dirty="0"/>
+            <a:r>
+              <a:rPr lang="en-GB" sz="2800" dirty="0" smtClean="0"/>
+              <a:t>The system which defines speed limits is very static.</a:t>
+            </a:r>
+          </a:p>
+          <a:p>
+            <a:r>
+              <a:rPr lang="en-GB" sz="2800" dirty="0" smtClean="0"/>
+              <a:t>The feedback which drivers get is not interactive.</a:t>
+            </a:r>
+          </a:p>
+          <a:p>
+            <a:pPr lvl="1"/>
+            <a:r>
+              <a:rPr lang="en-GB" sz="2400" dirty="0" smtClean="0"/>
+              <a:t>Weather</a:t>
+            </a:r>
+          </a:p>
+          <a:p>
+            <a:pPr lvl="1"/>
+            <a:r>
+              <a:rPr lang="en-GB" sz="2400" dirty="0" smtClean="0"/>
+              <a:t>Road maintenance</a:t>
+            </a:r>
+          </a:p>
+          <a:p>
+            <a:endParaRPr lang="en-GB" sz="2800" dirty="0" smtClean="0"/>
+          </a:p>
+          <a:p>
+            <a:endParaRPr lang="en-GB" sz="2800" dirty="0" smtClean="0"/>
           </a:p>
         </p:txBody>
       </p:sp>
@@ -7326,14 +8382,15 @@
         </p:nvSpPr>
         <p:spPr/>
         <p:txBody>
-          <a:bodyPr/>
+          <a:bodyPr>
+            <a:normAutofit/>
+          </a:bodyPr>
           <a:lstStyle/>
           <a:p>
             <a:r>
-              <a:rPr lang="en-GB" dirty="0" smtClean="0"/>
-              <a:t>Use cases</a:t>
-            </a:r>
-            <a:endParaRPr lang="en-GB" dirty="0"/>
+              <a:rPr lang="en-GB" dirty="0"/>
+              <a:t>Our Solution</a:t>
+            </a:r>
           </a:p>
         </p:txBody>
       </p:sp>
@@ -7349,10 +8406,43 @@
         </p:nvSpPr>
         <p:spPr/>
         <p:txBody>
-          <a:bodyPr/>
+          <a:bodyPr>
+            <a:normAutofit/>
+          </a:bodyPr>
           <a:lstStyle/>
           <a:p>
-            <a:endParaRPr lang="en-GB"/>
+            <a:r>
+              <a:rPr lang="en-GB" sz="2800" dirty="0"/>
+              <a:t>It is simple! </a:t>
+            </a:r>
+            <a:r>
+              <a:rPr lang="en-GB" sz="2800" dirty="0">
+                <a:sym typeface="Wingdings" panose="05000000000000000000" pitchFamily="2" charset="2"/>
+              </a:rPr>
+              <a:t></a:t>
+            </a:r>
+          </a:p>
+          <a:p>
+            <a:r>
+              <a:rPr lang="en-GB" sz="2800" dirty="0"/>
+              <a:t>All the drivers use GPS for navigation</a:t>
+            </a:r>
+            <a:r>
+              <a:rPr lang="en-GB" sz="2800" dirty="0"/>
+              <a:t>.</a:t>
+            </a:r>
+          </a:p>
+          <a:p>
+            <a:r>
+              <a:rPr lang="en-GB" sz="2800" dirty="0"/>
+              <a:t>We could provide a better navigation system which is interactive.</a:t>
+            </a:r>
+          </a:p>
+          <a:p>
+            <a:r>
+              <a:rPr lang="en-GB" sz="2800" dirty="0"/>
+              <a:t>So we created Drive Safe.</a:t>
+            </a:r>
           </a:p>
         </p:txBody>
       </p:sp>
@@ -7410,7 +8500,7 @@
           <a:p>
             <a:r>
               <a:rPr lang="en-GB" dirty="0" smtClean="0"/>
-              <a:t>Working of the application</a:t>
+              <a:t>Drive Safe</a:t>
             </a:r>
             <a:endParaRPr lang="en-GB" dirty="0"/>
           </a:p>
@@ -7428,26 +8518,39 @@
         </p:nvSpPr>
         <p:spPr/>
         <p:txBody>
-          <a:bodyPr/>
+          <a:bodyPr>
+            <a:normAutofit/>
+          </a:bodyPr>
           <a:lstStyle/>
           <a:p>
             <a:r>
-              <a:rPr lang="en-GB" dirty="0" smtClean="0"/>
-              <a:t>It measures driver current speed and compare it with the server </a:t>
-            </a:r>
-          </a:p>
-          <a:p>
-            <a:r>
-              <a:rPr lang="en-GB" dirty="0" smtClean="0"/>
-              <a:t>It reads weather forecast of the driver current location and check his speed </a:t>
-            </a:r>
-          </a:p>
-          <a:p>
-            <a:r>
-              <a:rPr lang="en-GB" dirty="0" smtClean="0"/>
-              <a:t> </a:t>
-            </a:r>
-            <a:endParaRPr lang="en-GB" dirty="0"/>
+              <a:rPr lang="en-GB" sz="2800" dirty="0"/>
+              <a:t>Drive safe is an Android and Web application.</a:t>
+            </a:r>
+          </a:p>
+          <a:p>
+            <a:r>
+              <a:rPr lang="en-GB" sz="2800" dirty="0"/>
+              <a:t>It provides </a:t>
+            </a:r>
+            <a:r>
+              <a:rPr lang="en-GB" sz="2800" dirty="0">
+                <a:solidFill>
+                  <a:srgbClr val="FF0000"/>
+                </a:solidFill>
+              </a:rPr>
+              <a:t>LIVE speed limit</a:t>
+            </a:r>
+            <a:r>
+              <a:rPr lang="en-GB" sz="2800" dirty="0"/>
+              <a:t> alerts based on weather and location to the driver.</a:t>
+            </a:r>
+          </a:p>
+          <a:p>
+            <a:endParaRPr lang="en-GB" sz="2800" dirty="0"/>
+          </a:p>
+          <a:p>
+            <a:endParaRPr lang="en-GB" sz="2800" dirty="0"/>
           </a:p>
         </p:txBody>
       </p:sp>
@@ -7505,7 +8608,7 @@
           <a:p>
             <a:r>
               <a:rPr lang="en-GB" dirty="0" smtClean="0"/>
-              <a:t>Future enhancement </a:t>
+              <a:t>Scope</a:t>
             </a:r>
             <a:endParaRPr lang="en-GB" dirty="0"/>
           </a:p>
@@ -7523,10 +8626,118 @@
         </p:nvSpPr>
         <p:spPr/>
         <p:txBody>
-          <a:bodyPr/>
+          <a:bodyPr>
+            <a:noAutofit/>
+          </a:bodyPr>
           <a:lstStyle/>
           <a:p>
-            <a:endParaRPr lang="en-GB"/>
+            <a:r>
+              <a:rPr lang="en-GB" sz="2800" dirty="0"/>
+              <a:t>Drivers can use this application to ensure maximum safety</a:t>
+            </a:r>
+            <a:r>
+              <a:rPr lang="en-GB" sz="2800" dirty="0" smtClean="0"/>
+              <a:t>.</a:t>
+            </a:r>
+          </a:p>
+          <a:p>
+            <a:r>
+              <a:rPr lang="en-GB" sz="2800" dirty="0"/>
+              <a:t>Traffic management agencies like </a:t>
+            </a:r>
+            <a:r>
+              <a:rPr lang="en-GB" sz="2800" dirty="0" smtClean="0">
+                <a:solidFill>
+                  <a:srgbClr val="FF0000"/>
+                </a:solidFill>
+              </a:rPr>
+              <a:t>Highways England </a:t>
+            </a:r>
+            <a:r>
+              <a:rPr lang="en-GB" sz="2800" dirty="0" smtClean="0"/>
+              <a:t>and </a:t>
+            </a:r>
+            <a:r>
+              <a:rPr lang="en-GB" sz="2800" dirty="0" smtClean="0">
+                <a:solidFill>
+                  <a:srgbClr val="FF0000"/>
+                </a:solidFill>
+              </a:rPr>
+              <a:t>Department </a:t>
+            </a:r>
+            <a:r>
+              <a:rPr lang="en-GB" sz="2800" dirty="0">
+                <a:solidFill>
+                  <a:srgbClr val="FF0000"/>
+                </a:solidFill>
+              </a:rPr>
+              <a:t>for </a:t>
+            </a:r>
+            <a:r>
+              <a:rPr lang="en-GB" sz="2800" dirty="0" smtClean="0">
+                <a:solidFill>
+                  <a:srgbClr val="FF0000"/>
+                </a:solidFill>
+              </a:rPr>
+              <a:t>Transport </a:t>
+            </a:r>
+            <a:r>
+              <a:rPr lang="en-GB" sz="2800" dirty="0" smtClean="0"/>
+              <a:t>could </a:t>
+            </a:r>
+            <a:r>
+              <a:rPr lang="en-GB" sz="2800" dirty="0"/>
+              <a:t>manage the speed limits according to weather conditions</a:t>
+            </a:r>
+            <a:r>
+              <a:rPr lang="en-GB" sz="2800" dirty="0" smtClean="0"/>
+              <a:t>.</a:t>
+            </a:r>
+          </a:p>
+          <a:p>
+            <a:r>
+              <a:rPr lang="en-GB" sz="2800" dirty="0"/>
+              <a:t>Insurance agencies can use the data to </a:t>
+            </a:r>
+            <a:r>
+              <a:rPr lang="en-GB" sz="2800" dirty="0">
+                <a:solidFill>
+                  <a:srgbClr val="FF0000"/>
+                </a:solidFill>
+              </a:rPr>
+              <a:t>provide </a:t>
+            </a:r>
+            <a:r>
+              <a:rPr lang="en-GB" sz="2800" dirty="0" smtClean="0">
+                <a:solidFill>
+                  <a:srgbClr val="FF0000"/>
+                </a:solidFill>
+              </a:rPr>
+              <a:t>better premiums </a:t>
+            </a:r>
+            <a:r>
+              <a:rPr lang="en-GB" sz="2800" dirty="0"/>
+              <a:t>to </a:t>
+            </a:r>
+            <a:r>
+              <a:rPr lang="en-GB" sz="2800" dirty="0" smtClean="0">
+                <a:solidFill>
+                  <a:srgbClr val="FF0000"/>
+                </a:solidFill>
+              </a:rPr>
+              <a:t>safe drivers</a:t>
+            </a:r>
+            <a:r>
+              <a:rPr lang="en-GB" sz="2800" dirty="0" smtClean="0"/>
+              <a:t>.</a:t>
+            </a:r>
+          </a:p>
+          <a:p>
+            <a:r>
+              <a:rPr lang="en-GB" sz="2800" dirty="0"/>
+              <a:t>Reduced accidents! :)</a:t>
+            </a:r>
+            <a:endParaRPr lang="en-GB" sz="2800" dirty="0"/>
           </a:p>
         </p:txBody>
       </p:sp>
@@ -7547,6 +8758,98 @@
       </p:par>
     </p:tnLst>
   </p:timing>
+</p:sld>
+</file>
+
+<file path=ppt/slides/slide6.xml><?xml version="1.0" encoding="utf-8"?>
+<p:sld xmlns:a="http://schemas.openxmlformats.org/drawingml/2006/main" xmlns:r="http://schemas.openxmlformats.org/officeDocument/2006/relationships" xmlns:p="http://schemas.openxmlformats.org/presentationml/2006/main">
+  <p:cSld>
+    <p:spTree>
+      <p:nvGrpSpPr>
+        <p:cNvPr id="1" name=""/>
+        <p:cNvGrpSpPr/>
+        <p:nvPr/>
+      </p:nvGrpSpPr>
+      <p:grpSpPr>
+        <a:xfrm>
+          <a:off x="0" y="0"/>
+          <a:ext cx="0" cy="0"/>
+          <a:chOff x="0" y="0"/>
+          <a:chExt cx="0" cy="0"/>
+        </a:xfrm>
+      </p:grpSpPr>
+      <p:sp>
+        <p:nvSpPr>
+          <p:cNvPr id="2" name="Title 1"/>
+          <p:cNvSpPr>
+            <a:spLocks noGrp="1"/>
+          </p:cNvSpPr>
+          <p:nvPr>
+            <p:ph type="title"/>
+          </p:nvPr>
+        </p:nvSpPr>
+        <p:spPr>
+          <a:xfrm>
+            <a:off x="1271998" y="2688705"/>
+            <a:ext cx="10178322" cy="1492132"/>
+          </a:xfrm>
+        </p:spPr>
+        <p:txBody>
+          <a:bodyPr/>
+          <a:lstStyle/>
+          <a:p>
+            <a:pPr algn="ctr"/>
+            <a:r>
+              <a:rPr lang="en-GB" dirty="0" smtClean="0"/>
+              <a:t>Thank you</a:t>
+            </a:r>
+            <a:endParaRPr lang="en-GB" dirty="0"/>
+          </a:p>
+        </p:txBody>
+      </p:sp>
+      <p:sp>
+        <p:nvSpPr>
+          <p:cNvPr id="3" name="Content Placeholder 2"/>
+          <p:cNvSpPr>
+            <a:spLocks noGrp="1"/>
+          </p:cNvSpPr>
+          <p:nvPr>
+            <p:ph idx="1"/>
+          </p:nvPr>
+        </p:nvSpPr>
+        <p:spPr>
+          <a:xfrm>
+            <a:off x="2623278" y="3721609"/>
+            <a:ext cx="10178322" cy="3593591"/>
+          </a:xfrm>
+        </p:spPr>
+        <p:txBody>
+          <a:bodyPr>
+            <a:normAutofit/>
+          </a:bodyPr>
+          <a:lstStyle/>
+          <a:p>
+            <a:pPr marL="0" indent="0" algn="ctr">
+              <a:buNone/>
+            </a:pPr>
+            <a:r>
+              <a:rPr lang="en-GB" sz="4000" dirty="0" smtClean="0"/>
+              <a:t>Any Questions?</a:t>
+            </a:r>
+            <a:endParaRPr lang="en-GB" sz="4000" dirty="0"/>
+          </a:p>
+        </p:txBody>
+      </p:sp>
+    </p:spTree>
+    <p:extLst>
+      <p:ext uri="{BB962C8B-B14F-4D97-AF65-F5344CB8AC3E}">
+        <p14:creationId xmlns:p14="http://schemas.microsoft.com/office/powerpoint/2010/main" val="3503633229"/>
+      </p:ext>
+    </p:extLst>
+  </p:cSld>
+  <p:clrMapOvr>
+    <a:masterClrMapping/>
+  </p:clrMapOvr>
 </p:sld>
 </file>
 

--- a/Drive Safe.pptx
+++ b/Drive Safe.pptx
@@ -8543,11 +8543,43 @@
             </a:r>
             <a:r>
               <a:rPr lang="en-GB" sz="2800" dirty="0"/>
-              <a:t> alerts based on weather and location to the driver.</a:t>
-            </a:r>
-          </a:p>
-          <a:p>
+              <a:t> alerts based on weather and location to the </a:t>
+            </a:r>
+            <a:r>
+              <a:rPr lang="en-GB" sz="2800"/>
+              <a:t>driver</a:t>
+            </a:r>
+            <a:r>
+              <a:rPr lang="en-GB" sz="2800" smtClean="0"/>
+              <a:t>.</a:t>
+            </a:r>
             <a:endParaRPr lang="en-GB" sz="2800" dirty="0"/>
+          </a:p>
+          <a:p>
+            <a:r>
+              <a:rPr lang="en-GB" sz="2800" dirty="0" smtClean="0"/>
+              <a:t>Link for </a:t>
+            </a:r>
+            <a:r>
+              <a:rPr lang="en-GB" sz="2800" dirty="0"/>
+              <a:t>web application:</a:t>
+            </a:r>
+            <a:br>
+              <a:rPr lang="en-GB" sz="2800" dirty="0"/>
+            </a:br>
+            <a:r>
+              <a:rPr lang="en-GB" sz="2800" dirty="0">
+                <a:hlinkClick r:id="rId2"/>
+              </a:rPr>
+              <a:t>http://speedsafetyphp.azurewebsites.net</a:t>
+            </a:r>
+            <a:r>
+              <a:rPr lang="en-GB" sz="2800" dirty="0" smtClean="0">
+                <a:hlinkClick r:id="rId2"/>
+              </a:rPr>
+              <a:t>/</a:t>
+            </a:r>
+            <a:endParaRPr lang="en-GB" sz="2800" dirty="0" smtClean="0"/>
           </a:p>
           <a:p>
             <a:endParaRPr lang="en-GB" sz="2800" dirty="0"/>

--- a/Drive Safe.pptx
+++ b/Drive Safe.pptx
@@ -6904,8 +6904,13 @@
           <a:p>
             <a:r>
               <a:rPr lang="en-GB" sz="3200" dirty="0" smtClean="0"/>
-              <a:t>Team – Young Developers</a:t>
-            </a:r>
+              <a:t>Team – Young </a:t>
+            </a:r>
+            <a:r>
+              <a:rPr lang="en-GB" sz="3200" dirty="0" smtClean="0"/>
+              <a:t>Developers</a:t>
+            </a:r>
+            <a:endParaRPr lang="en-GB" sz="3200" dirty="0" smtClean="0"/>
           </a:p>
           <a:p>
             <a:endParaRPr lang="en-GB" sz="2800" dirty="0"/>
@@ -6922,7 +6927,7 @@
         </p:nvSpPr>
         <p:spPr>
           <a:xfrm>
-            <a:off x="6364322" y="3060310"/>
+            <a:off x="6283039" y="3537289"/>
             <a:ext cx="8045373" cy="742279"/>
           </a:xfrm>
           <a:prstGeom prst="rect">
@@ -7177,7 +7182,7 @@
         </p:nvSpPr>
         <p:spPr>
           <a:xfrm>
-            <a:off x="6364322" y="5197103"/>
+            <a:off x="6364320" y="5021848"/>
             <a:ext cx="8045373" cy="742279"/>
           </a:xfrm>
           <a:prstGeom prst="rect">
@@ -7704,7 +7709,7 @@
         </p:nvSpPr>
         <p:spPr>
           <a:xfrm>
-            <a:off x="5997406" y="1802967"/>
+            <a:off x="6017726" y="2069161"/>
             <a:ext cx="8045373" cy="742279"/>
           </a:xfrm>
           <a:prstGeom prst="rect">
@@ -8308,8 +8313,17 @@
           <a:p>
             <a:r>
               <a:rPr lang="en-GB" sz="2800" dirty="0" smtClean="0"/>
-              <a:t>The feedback which drivers get is not interactive.</a:t>
-            </a:r>
+              <a:t>The feedback which drivers get is </a:t>
+            </a:r>
+            <a:r>
+              <a:rPr lang="en-GB" sz="2800" dirty="0" smtClean="0"/>
+              <a:t>limited</a:t>
+            </a:r>
+            <a:r>
+              <a:rPr lang="en-GB" sz="2800" dirty="0" smtClean="0"/>
+              <a:t>.</a:t>
+            </a:r>
+            <a:endParaRPr lang="en-GB" sz="2800" dirty="0" smtClean="0"/>
           </a:p>
           <a:p>
             <a:pPr lvl="1"/>
@@ -8317,6 +8331,7 @@
               <a:rPr lang="en-GB" sz="2400" dirty="0" smtClean="0"/>
               <a:t>Weather</a:t>
             </a:r>
+            <a:endParaRPr lang="en-GB" sz="2400" dirty="0" smtClean="0"/>
           </a:p>
           <a:p>
             <a:pPr lvl="1"/>
@@ -8525,8 +8540,13 @@
           <a:p>
             <a:r>
               <a:rPr lang="en-GB" sz="2800" dirty="0"/>
-              <a:t>Drive safe is an Android and Web application.</a:t>
-            </a:r>
+              <a:t>Drive safe is an Android and Web </a:t>
+            </a:r>
+            <a:r>
+              <a:rPr lang="en-GB" sz="2800" dirty="0" smtClean="0"/>
+              <a:t>application(cross-platform).</a:t>
+            </a:r>
+            <a:endParaRPr lang="en-GB" sz="2800" dirty="0"/>
           </a:p>
           <a:p>
             <a:r>
@@ -8543,14 +8563,10 @@
             </a:r>
             <a:r>
               <a:rPr lang="en-GB" sz="2800" dirty="0"/>
-              <a:t> alerts based on weather and location to the </a:t>
-            </a:r>
-            <a:r>
-              <a:rPr lang="en-GB" sz="2800"/>
-              <a:t>driver</a:t>
-            </a:r>
-            <a:r>
-              <a:rPr lang="en-GB" sz="2800" smtClean="0"/>
+              <a:t> alerts based on weather and location to the driver</a:t>
+            </a:r>
+            <a:r>
+              <a:rPr lang="en-GB" sz="2800" dirty="0" smtClean="0"/>
               <a:t>.</a:t>
             </a:r>
             <a:endParaRPr lang="en-GB" sz="2800" dirty="0"/>
@@ -8882,6 +8898,13 @@
   <p:clrMapOvr>
     <a:masterClrMapping/>
   </p:clrMapOvr>
+  <p:timing>
+    <p:tnLst>
+      <p:par>
+        <p:cTn id="1" dur="indefinite" restart="never" nodeType="tmRoot"/>
+      </p:par>
+    </p:tnLst>
+  </p:timing>
 </p:sld>
 </file>
 
